--- a/multithreaded routine.pptx
+++ b/multithreaded routine.pptx
@@ -210,36 +210,6 @@
       </a:defRPr>
     </a:lvl9pPr>
   </p:defaultTextStyle>
-  <p:extLst>
-    <p:ext uri="{EFAFB233-063F-42B5-8137-9DF3F51BA10A}">
-      <p15:sldGuideLst xmlns:p15="http://schemas.microsoft.com/office/powerpoint/2012/main">
-        <p15:guide id="1" orient="horz" pos="2160">
-          <p15:clr>
-            <a:srgbClr val="A4A3A4"/>
-          </p15:clr>
-        </p15:guide>
-        <p15:guide id="2" pos="2880">
-          <p15:clr>
-            <a:srgbClr val="A4A3A4"/>
-          </p15:clr>
-        </p15:guide>
-      </p15:sldGuideLst>
-    </p:ext>
-    <p:ext uri="{2D200454-40CA-4A62-9FC3-DE9A4176ACB9}">
-      <p15:notesGuideLst xmlns:p15="http://schemas.microsoft.com/office/powerpoint/2012/main">
-        <p15:guide id="1" orient="horz" pos="2928">
-          <p15:clr>
-            <a:srgbClr val="A4A3A4"/>
-          </p15:clr>
-        </p15:guide>
-        <p15:guide id="2" pos="2208">
-          <p15:clr>
-            <a:srgbClr val="A4A3A4"/>
-          </p15:clr>
-        </p15:guide>
-      </p15:notesGuideLst>
-    </p:ext>
-  </p:extLst>
 </p:presentation>
 </file>
 
@@ -527,11 +497,6 @@
         </p:txBody>
       </p:sp>
     </p:spTree>
-    <p:extLst>
-      <p:ext uri="{BB962C8B-B14F-4D97-AF65-F5344CB8AC3E}">
-        <p14:creationId xmlns:p14="http://schemas.microsoft.com/office/powerpoint/2010/main" val="3635388065"/>
-      </p:ext>
-    </p:extLst>
   </p:cSld>
   <p:clrMap bg1="lt1" tx1="dk1" bg2="lt2" tx2="dk2" accent1="accent1" accent2="accent2" accent3="accent3" accent4="accent4" accent5="accent5" accent6="accent6" hlink="hlink" folHlink="folHlink"/>
 </p:handoutMaster>
@@ -874,11 +839,6 @@
         </p:txBody>
       </p:sp>
     </p:spTree>
-    <p:extLst>
-      <p:ext uri="{BB962C8B-B14F-4D97-AF65-F5344CB8AC3E}">
-        <p14:creationId xmlns:p14="http://schemas.microsoft.com/office/powerpoint/2010/main" val="836182936"/>
-      </p:ext>
-    </p:extLst>
   </p:cSld>
   <p:clrMap bg1="lt1" tx1="dk1" bg2="lt2" tx2="dk2" accent1="accent1" accent2="accent2" accent3="accent3" accent4="accent4" accent5="accent5" accent6="accent6" hlink="hlink" folHlink="folHlink"/>
   <p:hf hdr="0" dt="0"/>
@@ -1214,11 +1174,6 @@
         </p:txBody>
       </p:sp>
     </p:spTree>
-    <p:extLst>
-      <p:ext uri="{BB962C8B-B14F-4D97-AF65-F5344CB8AC3E}">
-        <p14:creationId xmlns:p14="http://schemas.microsoft.com/office/powerpoint/2010/main" val="91839179"/>
-      </p:ext>
-    </p:extLst>
   </p:cSld>
   <p:clrMapOvr>
     <a:masterClrMapping/>
@@ -1304,11 +1259,6 @@
         </p:txBody>
       </p:sp>
     </p:spTree>
-    <p:extLst>
-      <p:ext uri="{BB962C8B-B14F-4D97-AF65-F5344CB8AC3E}">
-        <p14:creationId xmlns:p14="http://schemas.microsoft.com/office/powerpoint/2010/main" val="645566118"/>
-      </p:ext>
-    </p:extLst>
   </p:cSld>
   <p:clrMapOvr>
     <a:masterClrMapping/>
@@ -1376,11 +1326,6 @@
         </p:txBody>
       </p:sp>
     </p:spTree>
-    <p:extLst>
-      <p:ext uri="{BB962C8B-B14F-4D97-AF65-F5344CB8AC3E}">
-        <p14:creationId xmlns:p14="http://schemas.microsoft.com/office/powerpoint/2010/main" val="2067820498"/>
-      </p:ext>
-    </p:extLst>
   </p:cSld>
   <p:clrMapOvr>
     <a:masterClrMapping/>
@@ -1458,11 +1403,6 @@
         </p:txBody>
       </p:sp>
     </p:spTree>
-    <p:extLst>
-      <p:ext uri="{BB962C8B-B14F-4D97-AF65-F5344CB8AC3E}">
-        <p14:creationId xmlns:p14="http://schemas.microsoft.com/office/powerpoint/2010/main" val="2972653339"/>
-      </p:ext>
-    </p:extLst>
   </p:cSld>
   <p:clrMapOvr>
     <a:masterClrMapping/>
@@ -1530,11 +1470,6 @@
         </p:txBody>
       </p:sp>
     </p:spTree>
-    <p:extLst>
-      <p:ext uri="{BB962C8B-B14F-4D97-AF65-F5344CB8AC3E}">
-        <p14:creationId xmlns:p14="http://schemas.microsoft.com/office/powerpoint/2010/main" val="1700218298"/>
-      </p:ext>
-    </p:extLst>
   </p:cSld>
   <p:clrMapOvr>
     <a:masterClrMapping/>
@@ -1630,11 +1565,6 @@
         </p:txBody>
       </p:sp>
     </p:spTree>
-    <p:extLst>
-      <p:ext uri="{BB962C8B-B14F-4D97-AF65-F5344CB8AC3E}">
-        <p14:creationId xmlns:p14="http://schemas.microsoft.com/office/powerpoint/2010/main" val="1510672456"/>
-      </p:ext>
-    </p:extLst>
   </p:cSld>
   <p:clrMapOvr>
     <a:masterClrMapping/>
@@ -1730,11 +1660,6 @@
         </p:txBody>
       </p:sp>
     </p:spTree>
-    <p:extLst>
-      <p:ext uri="{BB962C8B-B14F-4D97-AF65-F5344CB8AC3E}">
-        <p14:creationId xmlns:p14="http://schemas.microsoft.com/office/powerpoint/2010/main" val="885916902"/>
-      </p:ext>
-    </p:extLst>
   </p:cSld>
   <p:clrMapOvr>
     <a:masterClrMapping/>
@@ -1830,11 +1755,6 @@
         </p:txBody>
       </p:sp>
     </p:spTree>
-    <p:extLst>
-      <p:ext uri="{BB962C8B-B14F-4D97-AF65-F5344CB8AC3E}">
-        <p14:creationId xmlns:p14="http://schemas.microsoft.com/office/powerpoint/2010/main" val="1693528865"/>
-      </p:ext>
-    </p:extLst>
   </p:cSld>
   <p:clrMapOvr>
     <a:masterClrMapping/>
@@ -1930,11 +1850,6 @@
         </p:txBody>
       </p:sp>
     </p:spTree>
-    <p:extLst>
-      <p:ext uri="{BB962C8B-B14F-4D97-AF65-F5344CB8AC3E}">
-        <p14:creationId xmlns:p14="http://schemas.microsoft.com/office/powerpoint/2010/main" val="452690779"/>
-      </p:ext>
-    </p:extLst>
   </p:cSld>
   <p:clrMapOvr>
     <a:masterClrMapping/>
@@ -2030,11 +1945,6 @@
         </p:txBody>
       </p:sp>
     </p:spTree>
-    <p:extLst>
-      <p:ext uri="{BB962C8B-B14F-4D97-AF65-F5344CB8AC3E}">
-        <p14:creationId xmlns:p14="http://schemas.microsoft.com/office/powerpoint/2010/main" val="3368812287"/>
-      </p:ext>
-    </p:extLst>
   </p:cSld>
   <p:clrMapOvr>
     <a:masterClrMapping/>
@@ -2130,11 +2040,6 @@
         </p:txBody>
       </p:sp>
     </p:spTree>
-    <p:extLst>
-      <p:ext uri="{BB962C8B-B14F-4D97-AF65-F5344CB8AC3E}">
-        <p14:creationId xmlns:p14="http://schemas.microsoft.com/office/powerpoint/2010/main" val="963924406"/>
-      </p:ext>
-    </p:extLst>
   </p:cSld>
   <p:clrMapOvr>
     <a:masterClrMapping/>
@@ -2212,11 +2117,6 @@
         </p:txBody>
       </p:sp>
     </p:spTree>
-    <p:extLst>
-      <p:ext uri="{BB962C8B-B14F-4D97-AF65-F5344CB8AC3E}">
-        <p14:creationId xmlns:p14="http://schemas.microsoft.com/office/powerpoint/2010/main" val="314768999"/>
-      </p:ext>
-    </p:extLst>
   </p:cSld>
   <p:clrMapOvr>
     <a:masterClrMapping/>
@@ -2294,11 +2194,6 @@
         </p:txBody>
       </p:sp>
     </p:spTree>
-    <p:extLst>
-      <p:ext uri="{BB962C8B-B14F-4D97-AF65-F5344CB8AC3E}">
-        <p14:creationId xmlns:p14="http://schemas.microsoft.com/office/powerpoint/2010/main" val="1425317280"/>
-      </p:ext>
-    </p:extLst>
   </p:cSld>
   <p:clrMapOvr>
     <a:masterClrMapping/>
@@ -2360,11 +2255,6 @@
         </p:txBody>
       </p:sp>
     </p:spTree>
-    <p:extLst>
-      <p:ext uri="{BB962C8B-B14F-4D97-AF65-F5344CB8AC3E}">
-        <p14:creationId xmlns:p14="http://schemas.microsoft.com/office/powerpoint/2010/main" val="2528525179"/>
-      </p:ext>
-    </p:extLst>
   </p:cSld>
   <p:clrMapOvr>
     <a:masterClrMapping/>
@@ -2491,11 +2381,6 @@
         </p:txBody>
       </p:sp>
     </p:spTree>
-    <p:extLst>
-      <p:ext uri="{BB962C8B-B14F-4D97-AF65-F5344CB8AC3E}">
-        <p14:creationId xmlns:p14="http://schemas.microsoft.com/office/powerpoint/2010/main" val="3313662333"/>
-      </p:ext>
-    </p:extLst>
   </p:cSld>
   <p:clrMapOvr>
     <a:masterClrMapping/>
@@ -2563,11 +2448,6 @@
         </p:txBody>
       </p:sp>
     </p:spTree>
-    <p:extLst>
-      <p:ext uri="{BB962C8B-B14F-4D97-AF65-F5344CB8AC3E}">
-        <p14:creationId xmlns:p14="http://schemas.microsoft.com/office/powerpoint/2010/main" val="471635595"/>
-      </p:ext>
-    </p:extLst>
   </p:cSld>
   <p:clrMapOvr>
     <a:masterClrMapping/>
@@ -2635,11 +2515,6 @@
         </p:txBody>
       </p:sp>
     </p:spTree>
-    <p:extLst>
-      <p:ext uri="{BB962C8B-B14F-4D97-AF65-F5344CB8AC3E}">
-        <p14:creationId xmlns:p14="http://schemas.microsoft.com/office/powerpoint/2010/main" val="635079206"/>
-      </p:ext>
-    </p:extLst>
   </p:cSld>
   <p:clrMapOvr>
     <a:masterClrMapping/>
@@ -2717,11 +2592,6 @@
         </p:txBody>
       </p:sp>
     </p:spTree>
-    <p:extLst>
-      <p:ext uri="{BB962C8B-B14F-4D97-AF65-F5344CB8AC3E}">
-        <p14:creationId xmlns:p14="http://schemas.microsoft.com/office/powerpoint/2010/main" val="1818029058"/>
-      </p:ext>
-    </p:extLst>
   </p:cSld>
   <p:clrMapOvr>
     <a:masterClrMapping/>
@@ -2790,11 +2660,6 @@
         </p:txBody>
       </p:sp>
     </p:spTree>
-    <p:extLst>
-      <p:ext uri="{BB962C8B-B14F-4D97-AF65-F5344CB8AC3E}">
-        <p14:creationId xmlns:p14="http://schemas.microsoft.com/office/powerpoint/2010/main" val="3065582421"/>
-      </p:ext>
-    </p:extLst>
   </p:cSld>
   <p:clrMapOvr>
     <a:masterClrMapping/>
@@ -2856,11 +2721,6 @@
         </p:txBody>
       </p:sp>
     </p:spTree>
-    <p:extLst>
-      <p:ext uri="{BB962C8B-B14F-4D97-AF65-F5344CB8AC3E}">
-        <p14:creationId xmlns:p14="http://schemas.microsoft.com/office/powerpoint/2010/main" val="136083314"/>
-      </p:ext>
-    </p:extLst>
   </p:cSld>
   <p:clrMapOvr>
     <a:masterClrMapping/>
@@ -2922,11 +2782,6 @@
         </p:txBody>
       </p:sp>
     </p:spTree>
-    <p:extLst>
-      <p:ext uri="{BB962C8B-B14F-4D97-AF65-F5344CB8AC3E}">
-        <p14:creationId xmlns:p14="http://schemas.microsoft.com/office/powerpoint/2010/main" val="1150553725"/>
-      </p:ext>
-    </p:extLst>
   </p:cSld>
   <p:clrMapOvr>
     <a:masterClrMapping/>
@@ -3051,11 +2906,6 @@
         </p:txBody>
       </p:sp>
     </p:spTree>
-    <p:extLst>
-      <p:ext uri="{BB962C8B-B14F-4D97-AF65-F5344CB8AC3E}">
-        <p14:creationId xmlns:p14="http://schemas.microsoft.com/office/powerpoint/2010/main" val="3515689965"/>
-      </p:ext>
-    </p:extLst>
   </p:cSld>
   <p:clrMapOvr>
     <a:masterClrMapping/>
@@ -8615,34 +8465,28 @@
           <a:p>
             <a:pPr eaLnBrk="1" hangingPunct="1"/>
             <a:r>
-              <a:rPr lang="en-US" dirty="0" smtClean="0"/>
-              <a:t>     Job Name	:	EB.CYCLE.DATES</a:t>
-            </a:r>
-            <a:endParaRPr lang="en-US" dirty="0" smtClean="0"/>
-          </a:p>
-          <a:p>
-            <a:pPr eaLnBrk="1" hangingPunct="1"/>
-            <a:r>
-              <a:rPr lang="en-US" dirty="0" smtClean="0"/>
-              <a:t>	Batch Stage	: </a:t>
-            </a:r>
-            <a:r>
-              <a:rPr lang="en-US" dirty="0" smtClean="0"/>
-              <a:t>	A000</a:t>
-            </a:r>
-            <a:endParaRPr lang="en-US" dirty="0" smtClean="0"/>
+              <a:rPr lang="en-US" smtClean="0"/>
+              <a:t>Job Name		:EB.CYCLE.DATES</a:t>
+            </a:r>
+          </a:p>
+          <a:p>
+            <a:pPr eaLnBrk="1" hangingPunct="1"/>
+            <a:r>
+              <a:rPr lang="en-US" smtClean="0"/>
+              <a:t>	Batch Stage	: A000</a:t>
+            </a:r>
           </a:p>
           <a:p>
             <a:pPr marL="742950" lvl="1" indent="-285750" eaLnBrk="1" hangingPunct="1"/>
             <a:r>
-              <a:rPr lang="en-US" dirty="0" smtClean="0"/>
+              <a:rPr lang="en-US" smtClean="0"/>
               <a:t>The  first job to get executed as a part of the COB process. </a:t>
             </a:r>
           </a:p>
           <a:p>
             <a:pPr marL="742950" lvl="1" indent="-285750" eaLnBrk="1" hangingPunct="1"/>
             <a:r>
-              <a:rPr lang="en-US" dirty="0" smtClean="0"/>
+              <a:rPr lang="en-US" smtClean="0"/>
               <a:t>It will cycle the dates for the online user. </a:t>
             </a:r>
           </a:p>
@@ -8650,26 +8494,20 @@
             <a:pPr eaLnBrk="1" hangingPunct="1"/>
             <a:r>
               <a:rPr lang="en-US" smtClean="0"/>
-              <a:t>      Job </a:t>
-            </a:r>
-            <a:r>
-              <a:rPr lang="en-US" dirty="0" smtClean="0"/>
-              <a:t>Name	:	B.DATE.CHANGE</a:t>
-            </a:r>
-            <a:endParaRPr lang="en-US" dirty="0" smtClean="0"/>
-          </a:p>
-          <a:p>
-            <a:pPr eaLnBrk="1" hangingPunct="1"/>
-            <a:r>
-              <a:rPr lang="en-US" dirty="0" smtClean="0"/>
-              <a:t>      Batch Stage	:	D000</a:t>
-            </a:r>
-            <a:endParaRPr lang="en-US" dirty="0" smtClean="0"/>
+              <a:t>Job Name	      :B.DATE.CHANGE</a:t>
+            </a:r>
+          </a:p>
+          <a:p>
+            <a:pPr eaLnBrk="1" hangingPunct="1"/>
+            <a:r>
+              <a:rPr lang="en-US" smtClean="0"/>
+              <a:t>Batch Stage	:D000</a:t>
+            </a:r>
           </a:p>
           <a:p>
             <a:pPr marL="742950" lvl="1" indent="-285750" eaLnBrk="1" hangingPunct="1"/>
             <a:r>
-              <a:rPr lang="en-US" dirty="0" smtClean="0"/>
+              <a:rPr lang="en-US" smtClean="0"/>
               <a:t>This  will cycle the date for the COB process. </a:t>
             </a:r>
           </a:p>
@@ -12577,7 +12415,31 @@
                   <a:srgbClr val="E6F5FA"/>
                 </a:solidFill>
               </a:rPr>
-              <a:t>Common Variable file Inserted</a:t>
+              <a:t>Common </a:t>
+            </a:r>
+            <a:r>
+              <a:rPr lang="en-US" sz="1800" dirty="0" smtClean="0">
+                <a:solidFill>
+                  <a:srgbClr val="E6F5FA"/>
+                </a:solidFill>
+              </a:rPr>
+              <a:t>Variable </a:t>
+            </a:r>
+            <a:r>
+              <a:rPr lang="en-US" sz="1800" dirty="0" smtClean="0">
+                <a:solidFill>
+                  <a:srgbClr val="E6F5FA"/>
+                </a:solidFill>
+              </a:rPr>
+              <a:t>file </a:t>
+            </a:r>
+            <a:r>
+              <a:rPr lang="en-US" sz="1800" dirty="0" smtClean="0">
+                <a:solidFill>
+                  <a:srgbClr val="E6F5FA"/>
+                </a:solidFill>
+              </a:rPr>
+              <a:t>Inserted</a:t>
             </a:r>
             <a:endParaRPr lang="en-US" sz="1800" dirty="0">
               <a:solidFill>
